--- a/reports/Wizard Monkeys-del-5 .pptx
+++ b/reports/Wizard Monkeys-del-5 .pptx
@@ -5,7 +5,7 @@
     <p:sldMasterId id="2147483648" r:id="rId1"/>
   </p:sldMasterIdLst>
   <p:notesMasterIdLst>
-    <p:notesMasterId r:id="rId13"/>
+    <p:notesMasterId r:id="rId12"/>
   </p:notesMasterIdLst>
   <p:sldIdLst>
     <p:sldId id="256" r:id="rId2"/>
@@ -16,9 +16,8 @@
     <p:sldId id="264" r:id="rId7"/>
     <p:sldId id="265" r:id="rId8"/>
     <p:sldId id="267" r:id="rId9"/>
-    <p:sldId id="268" r:id="rId10"/>
-    <p:sldId id="269" r:id="rId11"/>
-    <p:sldId id="262" r:id="rId12"/>
+    <p:sldId id="269" r:id="rId10"/>
+    <p:sldId id="262" r:id="rId11"/>
   </p:sldIdLst>
   <p:sldSz cx="12192000" cy="6858000"/>
   <p:notesSz cx="6858000" cy="9144000"/>
@@ -256,7 +255,7 @@
       <p15:sldGuideLst xmlns:p15="http://schemas.microsoft.com/office/powerpoint/2012/main"/>
     </p:ext>
     <p:ext uri="http://customooxmlschemas.google.com/">
-      <go:slidesCustomData xmlns:go="http://customooxmlschemas.google.com/" xmlns:ahyp="http://schemas.microsoft.com/office/drawing/2018/hyperlinkcolor" xmlns:p15="http://schemas.microsoft.com/office/powerpoint/2012/main" xmlns:p14="http://schemas.microsoft.com/office/powerpoint/2010/main" xmlns:com="http://schemas.openxmlformats.org/drawingml/2006/compatibility" xmlns:pvml="urn:schemas-microsoft-com:office:powerpoint" xmlns:v="urn:schemas-microsoft-com:vml" xmlns:o="urn:schemas-microsoft-com:office:office" xmlns:dgm="http://schemas.openxmlformats.org/drawingml/2006/diagram" xmlns:c="http://schemas.openxmlformats.org/drawingml/2006/chart" xmlns:mv="urn:schemas-microsoft-com:mac:vml" xmlns:mc="http://schemas.openxmlformats.org/markup-compatibility/2006" xmlns="" r:id="rId14" roundtripDataSignature="AMtx7mh0Rtew/Hb2RH9Fh8NbJEQ+EezXXw=="/>
+      <go:slidesCustomData xmlns="" xmlns:mc="http://schemas.openxmlformats.org/markup-compatibility/2006" xmlns:mv="urn:schemas-microsoft-com:mac:vml" xmlns:c="http://schemas.openxmlformats.org/drawingml/2006/chart" xmlns:dgm="http://schemas.openxmlformats.org/drawingml/2006/diagram" xmlns:o="urn:schemas-microsoft-com:office:office" xmlns:v="urn:schemas-microsoft-com:vml" xmlns:pvml="urn:schemas-microsoft-com:office:powerpoint" xmlns:com="http://schemas.openxmlformats.org/drawingml/2006/compatibility" xmlns:p14="http://schemas.microsoft.com/office/powerpoint/2010/main" xmlns:p15="http://schemas.microsoft.com/office/powerpoint/2012/main" xmlns:ahyp="http://schemas.microsoft.com/office/drawing/2018/hyperlinkcolor" xmlns:go="http://customooxmlschemas.google.com/" r:id="rId14" roundtripDataSignature="AMtx7mh0Rtew/Hb2RH9Fh8NbJEQ+EezXXw=="/>
     </p:ext>
   </p:extLst>
 </p:presentation>
@@ -12320,119 +12319,6 @@
 </file>
 
 <file path=ppt/slides/slide10.xml><?xml version="1.0" encoding="utf-8"?>
-<p:sld xmlns:a="http://schemas.openxmlformats.org/drawingml/2006/main" xmlns:r="http://schemas.openxmlformats.org/officeDocument/2006/relationships" xmlns:p="http://schemas.openxmlformats.org/presentationml/2006/main">
-  <p:cSld>
-    <p:spTree>
-      <p:nvGrpSpPr>
-        <p:cNvPr id="1" name=""/>
-        <p:cNvGrpSpPr/>
-        <p:nvPr/>
-      </p:nvGrpSpPr>
-      <p:grpSpPr>
-        <a:xfrm>
-          <a:off x="0" y="0"/>
-          <a:ext cx="0" cy="0"/>
-          <a:chOff x="0" y="0"/>
-          <a:chExt cx="0" cy="0"/>
-        </a:xfrm>
-      </p:grpSpPr>
-      <p:sp>
-        <p:nvSpPr>
-          <p:cNvPr id="2" name="Title 1">
-            <a:extLst>
-              <a:ext uri="{FF2B5EF4-FFF2-40B4-BE49-F238E27FC236}">
-                <a16:creationId xmlns:a16="http://schemas.microsoft.com/office/drawing/2014/main" id="{36605380-D1F1-4432-9AF6-ABFF70B240E6}"/>
-              </a:ext>
-            </a:extLst>
-          </p:cNvPr>
-          <p:cNvSpPr>
-            <a:spLocks noGrp="1"/>
-          </p:cNvSpPr>
-          <p:nvPr>
-            <p:ph type="title"/>
-          </p:nvPr>
-        </p:nvSpPr>
-        <p:spPr/>
-        <p:txBody>
-          <a:bodyPr/>
-          <a:lstStyle/>
-          <a:p>
-            <a:r>
-              <a:rPr lang="en-US" dirty="0"/>
-              <a:t>Project demo</a:t>
-            </a:r>
-          </a:p>
-        </p:txBody>
-      </p:sp>
-      <p:sp>
-        <p:nvSpPr>
-          <p:cNvPr id="3" name="Text Placeholder 2">
-            <a:extLst>
-              <a:ext uri="{FF2B5EF4-FFF2-40B4-BE49-F238E27FC236}">
-                <a16:creationId xmlns:a16="http://schemas.microsoft.com/office/drawing/2014/main" id="{2CDEFB04-4722-4663-BC04-E75A4474EFBA}"/>
-              </a:ext>
-            </a:extLst>
-          </p:cNvPr>
-          <p:cNvSpPr>
-            <a:spLocks noGrp="1"/>
-          </p:cNvSpPr>
-          <p:nvPr>
-            <p:ph type="body" idx="1"/>
-          </p:nvPr>
-        </p:nvSpPr>
-        <p:spPr/>
-        <p:txBody>
-          <a:bodyPr/>
-          <a:lstStyle/>
-          <a:p>
-            <a:endParaRPr lang="en-US" dirty="0"/>
-          </a:p>
-        </p:txBody>
-      </p:sp>
-      <p:pic>
-        <p:nvPicPr>
-          <p:cNvPr id="5" name="Picture 4">
-            <a:extLst>
-              <a:ext uri="{FF2B5EF4-FFF2-40B4-BE49-F238E27FC236}">
-                <a16:creationId xmlns:a16="http://schemas.microsoft.com/office/drawing/2014/main" id="{D8069F8D-5AF3-41FB-ADE5-132558C93A5B}"/>
-              </a:ext>
-            </a:extLst>
-          </p:cNvPr>
-          <p:cNvPicPr>
-            <a:picLocks noChangeAspect="1"/>
-          </p:cNvPicPr>
-          <p:nvPr/>
-        </p:nvPicPr>
-        <p:blipFill>
-          <a:blip r:embed="rId2"/>
-          <a:stretch>
-            <a:fillRect/>
-          </a:stretch>
-        </p:blipFill>
-        <p:spPr>
-          <a:xfrm>
-            <a:off x="1176670" y="1776625"/>
-            <a:ext cx="10058400" cy="4384431"/>
-          </a:xfrm>
-          <a:prstGeom prst="rect">
-            <a:avLst/>
-          </a:prstGeom>
-        </p:spPr>
-      </p:pic>
-    </p:spTree>
-    <p:extLst>
-      <p:ext uri="{BB962C8B-B14F-4D97-AF65-F5344CB8AC3E}">
-        <p14:creationId xmlns:p14="http://schemas.microsoft.com/office/powerpoint/2010/main" val="2893330121"/>
-      </p:ext>
-    </p:extLst>
-  </p:cSld>
-  <p:clrMapOvr>
-    <a:masterClrMapping/>
-  </p:clrMapOvr>
-</p:sld>
-</file>
-
-<file path=ppt/slides/slide11.xml><?xml version="1.0" encoding="utf-8"?>
 <p:sld xmlns:a="http://schemas.openxmlformats.org/drawingml/2006/main" xmlns:r="http://schemas.openxmlformats.org/officeDocument/2006/relationships" xmlns:p="http://schemas.openxmlformats.org/presentationml/2006/main">
   <p:cSld>
     <p:spTree>
@@ -15150,10 +15036,10 @@
       </p:sp>
       <p:pic>
         <p:nvPicPr>
-          <p:cNvPr id="5" name="Picture 4">
+          <p:cNvPr id="6" name="Picture 5">
             <a:extLst>
               <a:ext uri="{FF2B5EF4-FFF2-40B4-BE49-F238E27FC236}">
-                <a16:creationId xmlns:a16="http://schemas.microsoft.com/office/drawing/2014/main" id="{9583E140-F7D1-4BBC-93EB-C308C00118BF}"/>
+                <a16:creationId xmlns:a16="http://schemas.microsoft.com/office/drawing/2014/main" id="{5290D4FE-AD34-4D49-A12A-C9F1F2FF059D}"/>
               </a:ext>
             </a:extLst>
           </p:cNvPr>
@@ -15170,8 +15056,8 @@
         </p:blipFill>
         <p:spPr>
           <a:xfrm>
-            <a:off x="1097280" y="1835495"/>
-            <a:ext cx="9997440" cy="4023359"/>
+            <a:off x="1245337" y="1845734"/>
+            <a:ext cx="9365955" cy="3676650"/>
           </a:xfrm>
           <a:prstGeom prst="rect">
             <a:avLst/>
@@ -15213,7 +15099,7 @@
           <p:cNvPr id="2" name="Title 1">
             <a:extLst>
               <a:ext uri="{FF2B5EF4-FFF2-40B4-BE49-F238E27FC236}">
-                <a16:creationId xmlns:a16="http://schemas.microsoft.com/office/drawing/2014/main" id="{79475EE3-C333-40F3-8D60-9489F4567719}"/>
+                <a16:creationId xmlns:a16="http://schemas.microsoft.com/office/drawing/2014/main" id="{36605380-D1F1-4432-9AF6-ABFF70B240E6}"/>
               </a:ext>
             </a:extLst>
           </p:cNvPr>
@@ -15226,9 +15112,7 @@
         </p:nvSpPr>
         <p:spPr/>
         <p:txBody>
-          <a:bodyPr>
-            <a:normAutofit/>
-          </a:bodyPr>
+          <a:bodyPr/>
           <a:lstStyle/>
           <a:p>
             <a:r>
@@ -15243,7 +15127,7 @@
           <p:cNvPr id="3" name="Text Placeholder 2">
             <a:extLst>
               <a:ext uri="{FF2B5EF4-FFF2-40B4-BE49-F238E27FC236}">
-                <a16:creationId xmlns:a16="http://schemas.microsoft.com/office/drawing/2014/main" id="{826522F7-53A7-4C14-B58F-C666C9EDFB0B}"/>
+                <a16:creationId xmlns:a16="http://schemas.microsoft.com/office/drawing/2014/main" id="{2CDEFB04-4722-4663-BC04-E75A4474EFBA}"/>
               </a:ext>
             </a:extLst>
           </p:cNvPr>
@@ -15265,10 +15149,10 @@
       </p:sp>
       <p:pic>
         <p:nvPicPr>
-          <p:cNvPr id="7" name="Picture 6">
+          <p:cNvPr id="6" name="Picture 5">
             <a:extLst>
               <a:ext uri="{FF2B5EF4-FFF2-40B4-BE49-F238E27FC236}">
-                <a16:creationId xmlns:a16="http://schemas.microsoft.com/office/drawing/2014/main" id="{DA677647-EEFD-4AE0-B134-EE48387263B9}"/>
+                <a16:creationId xmlns:a16="http://schemas.microsoft.com/office/drawing/2014/main" id="{DCA5E206-8843-48E6-8AA5-70D9FD65C50D}"/>
               </a:ext>
             </a:extLst>
           </p:cNvPr>
@@ -15285,8 +15169,8 @@
         </p:blipFill>
         <p:spPr>
           <a:xfrm>
-            <a:off x="1097280" y="1737360"/>
-            <a:ext cx="10248900" cy="4407339"/>
+            <a:off x="1097280" y="1852510"/>
+            <a:ext cx="9874102" cy="4016584"/>
           </a:xfrm>
           <a:prstGeom prst="rect">
             <a:avLst/>
@@ -15296,7 +15180,7 @@
     </p:spTree>
     <p:extLst>
       <p:ext uri="{BB962C8B-B14F-4D97-AF65-F5344CB8AC3E}">
-        <p14:creationId xmlns:p14="http://schemas.microsoft.com/office/powerpoint/2010/main" val="3330296743"/>
+        <p14:creationId xmlns:p14="http://schemas.microsoft.com/office/powerpoint/2010/main" val="2893330121"/>
       </p:ext>
     </p:extLst>
   </p:cSld>
